--- a/RampResponseMapping.pptx
+++ b/RampResponseMapping.pptx
@@ -20,6 +20,10 @@
     <p:sldId id="287" r:id="rId14"/>
     <p:sldId id="288" r:id="rId15"/>
     <p:sldId id="290" r:id="rId16"/>
+    <p:sldId id="292" r:id="rId17"/>
+    <p:sldId id="293" r:id="rId18"/>
+    <p:sldId id="294" r:id="rId19"/>
+    <p:sldId id="295" r:id="rId20"/>
   </p:sldIdLst>
   <p:sldSz cx="12192000" cy="6858000"/>
   <p:notesSz cx="6858000" cy="9144000"/>
@@ -118,6 +122,11 @@
       </a:defRPr>
     </a:lvl9pPr>
   </p:defaultTextStyle>
+  <p:extLst>
+    <p:ext uri="{EFAFB233-063F-42B5-8137-9DF3F51BA10A}">
+      <p15:sldGuideLst xmlns:p15="http://schemas.microsoft.com/office/powerpoint/2012/main"/>
+    </p:ext>
+  </p:extLst>
 </p:presentation>
 </file>
 
@@ -268,7 +277,7 @@
           <a:p>
             <a:fld id="{17E7120B-237D-4C94-8425-72B9661CF6D1}" type="datetimeFigureOut">
               <a:rPr lang="en-US" smtClean="0"/>
-              <a:t>1/15/2019</a:t>
+              <a:t>1/16/2019</a:t>
             </a:fld>
             <a:endParaRPr lang="en-US"/>
           </a:p>
@@ -466,7 +475,7 @@
           <a:p>
             <a:fld id="{17E7120B-237D-4C94-8425-72B9661CF6D1}" type="datetimeFigureOut">
               <a:rPr lang="en-US" smtClean="0"/>
-              <a:t>1/15/2019</a:t>
+              <a:t>1/16/2019</a:t>
             </a:fld>
             <a:endParaRPr lang="en-US"/>
           </a:p>
@@ -674,7 +683,7 @@
           <a:p>
             <a:fld id="{17E7120B-237D-4C94-8425-72B9661CF6D1}" type="datetimeFigureOut">
               <a:rPr lang="en-US" smtClean="0"/>
-              <a:t>1/15/2019</a:t>
+              <a:t>1/16/2019</a:t>
             </a:fld>
             <a:endParaRPr lang="en-US"/>
           </a:p>
@@ -872,7 +881,7 @@
           <a:p>
             <a:fld id="{17E7120B-237D-4C94-8425-72B9661CF6D1}" type="datetimeFigureOut">
               <a:rPr lang="en-US" smtClean="0"/>
-              <a:t>1/15/2019</a:t>
+              <a:t>1/16/2019</a:t>
             </a:fld>
             <a:endParaRPr lang="en-US"/>
           </a:p>
@@ -1147,7 +1156,7 @@
           <a:p>
             <a:fld id="{17E7120B-237D-4C94-8425-72B9661CF6D1}" type="datetimeFigureOut">
               <a:rPr lang="en-US" smtClean="0"/>
-              <a:t>1/15/2019</a:t>
+              <a:t>1/16/2019</a:t>
             </a:fld>
             <a:endParaRPr lang="en-US"/>
           </a:p>
@@ -1412,7 +1421,7 @@
           <a:p>
             <a:fld id="{17E7120B-237D-4C94-8425-72B9661CF6D1}" type="datetimeFigureOut">
               <a:rPr lang="en-US" smtClean="0"/>
-              <a:t>1/15/2019</a:t>
+              <a:t>1/16/2019</a:t>
             </a:fld>
             <a:endParaRPr lang="en-US"/>
           </a:p>
@@ -1824,7 +1833,7 @@
           <a:p>
             <a:fld id="{17E7120B-237D-4C94-8425-72B9661CF6D1}" type="datetimeFigureOut">
               <a:rPr lang="en-US" smtClean="0"/>
-              <a:t>1/15/2019</a:t>
+              <a:t>1/16/2019</a:t>
             </a:fld>
             <a:endParaRPr lang="en-US"/>
           </a:p>
@@ -1965,7 +1974,7 @@
           <a:p>
             <a:fld id="{17E7120B-237D-4C94-8425-72B9661CF6D1}" type="datetimeFigureOut">
               <a:rPr lang="en-US" smtClean="0"/>
-              <a:t>1/15/2019</a:t>
+              <a:t>1/16/2019</a:t>
             </a:fld>
             <a:endParaRPr lang="en-US"/>
           </a:p>
@@ -2078,7 +2087,7 @@
           <a:p>
             <a:fld id="{17E7120B-237D-4C94-8425-72B9661CF6D1}" type="datetimeFigureOut">
               <a:rPr lang="en-US" smtClean="0"/>
-              <a:t>1/15/2019</a:t>
+              <a:t>1/16/2019</a:t>
             </a:fld>
             <a:endParaRPr lang="en-US"/>
           </a:p>
@@ -2389,7 +2398,7 @@
           <a:p>
             <a:fld id="{17E7120B-237D-4C94-8425-72B9661CF6D1}" type="datetimeFigureOut">
               <a:rPr lang="en-US" smtClean="0"/>
-              <a:t>1/15/2019</a:t>
+              <a:t>1/16/2019</a:t>
             </a:fld>
             <a:endParaRPr lang="en-US"/>
           </a:p>
@@ -2677,7 +2686,7 @@
           <a:p>
             <a:fld id="{17E7120B-237D-4C94-8425-72B9661CF6D1}" type="datetimeFigureOut">
               <a:rPr lang="en-US" smtClean="0"/>
-              <a:t>1/15/2019</a:t>
+              <a:t>1/16/2019</a:t>
             </a:fld>
             <a:endParaRPr lang="en-US"/>
           </a:p>
@@ -2918,7 +2927,7 @@
           <a:p>
             <a:fld id="{17E7120B-237D-4C94-8425-72B9661CF6D1}" type="datetimeFigureOut">
               <a:rPr lang="en-US" smtClean="0"/>
-              <a:t>1/15/2019</a:t>
+              <a:t>1/16/2019</a:t>
             </a:fld>
             <a:endParaRPr lang="en-US"/>
           </a:p>
@@ -3531,10 +3540,10 @@
       </p:pic>
       <p:pic>
         <p:nvPicPr>
-          <p:cNvPr id="5" name="Picture 4">
-            <a:extLst>
-              <a:ext uri="{FF2B5EF4-FFF2-40B4-BE49-F238E27FC236}">
-                <a16:creationId xmlns:a16="http://schemas.microsoft.com/office/drawing/2014/main" id="{49609B31-C738-4F10-A0E4-447C917134F7}"/>
+          <p:cNvPr id="6" name="Picture 5">
+            <a:extLst>
+              <a:ext uri="{FF2B5EF4-FFF2-40B4-BE49-F238E27FC236}">
+                <a16:creationId xmlns:a16="http://schemas.microsoft.com/office/drawing/2014/main" id="{F17C7010-DEEF-4E7E-8EF7-302DE444FD40}"/>
               </a:ext>
             </a:extLst>
           </p:cNvPr>
@@ -3545,36 +3554,6 @@
         </p:nvPicPr>
         <p:blipFill>
           <a:blip r:embed="rId4"/>
-          <a:stretch>
-            <a:fillRect/>
-          </a:stretch>
-        </p:blipFill>
-        <p:spPr>
-          <a:xfrm>
-            <a:off x="813128" y="3649488"/>
-            <a:ext cx="4198945" cy="2618530"/>
-          </a:xfrm>
-          <a:prstGeom prst="rect">
-            <a:avLst/>
-          </a:prstGeom>
-        </p:spPr>
-      </p:pic>
-      <p:pic>
-        <p:nvPicPr>
-          <p:cNvPr id="6" name="Picture 5">
-            <a:extLst>
-              <a:ext uri="{FF2B5EF4-FFF2-40B4-BE49-F238E27FC236}">
-                <a16:creationId xmlns:a16="http://schemas.microsoft.com/office/drawing/2014/main" id="{F17C7010-DEEF-4E7E-8EF7-302DE444FD40}"/>
-              </a:ext>
-            </a:extLst>
-          </p:cNvPr>
-          <p:cNvPicPr>
-            <a:picLocks noChangeAspect="1"/>
-          </p:cNvPicPr>
-          <p:nvPr/>
-        </p:nvPicPr>
-        <p:blipFill>
-          <a:blip r:embed="rId5"/>
           <a:stretch>
             <a:fillRect/>
           </a:stretch>
@@ -3583,6 +3562,36 @@
           <a:xfrm>
             <a:off x="6928259" y="3700275"/>
             <a:ext cx="4117506" cy="2567743"/>
+          </a:xfrm>
+          <a:prstGeom prst="rect">
+            <a:avLst/>
+          </a:prstGeom>
+        </p:spPr>
+      </p:pic>
+      <p:pic>
+        <p:nvPicPr>
+          <p:cNvPr id="7" name="Picture 6">
+            <a:extLst>
+              <a:ext uri="{FF2B5EF4-FFF2-40B4-BE49-F238E27FC236}">
+                <a16:creationId xmlns:a16="http://schemas.microsoft.com/office/drawing/2014/main" id="{76F74ADF-CF30-415C-8469-F8931F23683B}"/>
+              </a:ext>
+            </a:extLst>
+          </p:cNvPr>
+          <p:cNvPicPr>
+            <a:picLocks noChangeAspect="1"/>
+          </p:cNvPicPr>
+          <p:nvPr/>
+        </p:nvPicPr>
+        <p:blipFill>
+          <a:blip r:embed="rId5"/>
+          <a:stretch>
+            <a:fillRect/>
+          </a:stretch>
+        </p:blipFill>
+        <p:spPr>
+          <a:xfrm>
+            <a:off x="1014413" y="3700275"/>
+            <a:ext cx="3944810" cy="2778664"/>
           </a:xfrm>
           <a:prstGeom prst="rect">
             <a:avLst/>
@@ -3716,10 +3725,10 @@
       </p:pic>
       <p:pic>
         <p:nvPicPr>
-          <p:cNvPr id="5" name="Picture 4">
-            <a:extLst>
-              <a:ext uri="{FF2B5EF4-FFF2-40B4-BE49-F238E27FC236}">
-                <a16:creationId xmlns:a16="http://schemas.microsoft.com/office/drawing/2014/main" id="{7BD5D35A-C42E-4FD7-B2BD-725CA518F9C5}"/>
+          <p:cNvPr id="6" name="Picture 5">
+            <a:extLst>
+              <a:ext uri="{FF2B5EF4-FFF2-40B4-BE49-F238E27FC236}">
+                <a16:creationId xmlns:a16="http://schemas.microsoft.com/office/drawing/2014/main" id="{8C6F94B1-38BE-4DF9-8FAE-78551C74CCA3}"/>
               </a:ext>
             </a:extLst>
           </p:cNvPr>
@@ -3730,36 +3739,6 @@
         </p:nvPicPr>
         <p:blipFill>
           <a:blip r:embed="rId4"/>
-          <a:stretch>
-            <a:fillRect/>
-          </a:stretch>
-        </p:blipFill>
-        <p:spPr>
-          <a:xfrm>
-            <a:off x="603802" y="3720704"/>
-            <a:ext cx="3924493" cy="2447377"/>
-          </a:xfrm>
-          <a:prstGeom prst="rect">
-            <a:avLst/>
-          </a:prstGeom>
-        </p:spPr>
-      </p:pic>
-      <p:pic>
-        <p:nvPicPr>
-          <p:cNvPr id="6" name="Picture 5">
-            <a:extLst>
-              <a:ext uri="{FF2B5EF4-FFF2-40B4-BE49-F238E27FC236}">
-                <a16:creationId xmlns:a16="http://schemas.microsoft.com/office/drawing/2014/main" id="{8C6F94B1-38BE-4DF9-8FAE-78551C74CCA3}"/>
-              </a:ext>
-            </a:extLst>
-          </p:cNvPr>
-          <p:cNvPicPr>
-            <a:picLocks noChangeAspect="1"/>
-          </p:cNvPicPr>
-          <p:nvPr/>
-        </p:nvPicPr>
-        <p:blipFill>
-          <a:blip r:embed="rId5"/>
           <a:stretch>
             <a:fillRect/>
           </a:stretch>
@@ -3768,6 +3747,36 @@
           <a:xfrm>
             <a:off x="6641320" y="3784637"/>
             <a:ext cx="4255979" cy="2654097"/>
+          </a:xfrm>
+          <a:prstGeom prst="rect">
+            <a:avLst/>
+          </a:prstGeom>
+        </p:spPr>
+      </p:pic>
+      <p:pic>
+        <p:nvPicPr>
+          <p:cNvPr id="7" name="Picture 6">
+            <a:extLst>
+              <a:ext uri="{FF2B5EF4-FFF2-40B4-BE49-F238E27FC236}">
+                <a16:creationId xmlns:a16="http://schemas.microsoft.com/office/drawing/2014/main" id="{C3C80AFC-BC54-4EB7-90B6-E0476A8FD1E9}"/>
+              </a:ext>
+            </a:extLst>
+          </p:cNvPr>
+          <p:cNvPicPr>
+            <a:picLocks noChangeAspect="1"/>
+          </p:cNvPicPr>
+          <p:nvPr/>
+        </p:nvPicPr>
+        <p:blipFill>
+          <a:blip r:embed="rId5"/>
+          <a:stretch>
+            <a:fillRect/>
+          </a:stretch>
+        </p:blipFill>
+        <p:spPr>
+          <a:xfrm>
+            <a:off x="1006474" y="3962104"/>
+            <a:ext cx="3580611" cy="2476630"/>
           </a:xfrm>
           <a:prstGeom prst="rect">
             <a:avLst/>
@@ -4422,6 +4431,671 @@
 </p:sld>
 </file>
 
+<file path=ppt/slides/slide16.xml><?xml version="1.0" encoding="utf-8"?>
+<p:sld xmlns:a="http://schemas.openxmlformats.org/drawingml/2006/main" xmlns:r="http://schemas.openxmlformats.org/officeDocument/2006/relationships" xmlns:p="http://schemas.openxmlformats.org/presentationml/2006/main">
+  <p:cSld>
+    <p:spTree>
+      <p:nvGrpSpPr>
+        <p:cNvPr id="1" name=""/>
+        <p:cNvGrpSpPr/>
+        <p:nvPr/>
+      </p:nvGrpSpPr>
+      <p:grpSpPr>
+        <a:xfrm>
+          <a:off x="0" y="0"/>
+          <a:ext cx="0" cy="0"/>
+          <a:chOff x="0" y="0"/>
+          <a:chExt cx="0" cy="0"/>
+        </a:xfrm>
+      </p:grpSpPr>
+      <p:sp>
+        <p:nvSpPr>
+          <p:cNvPr id="4" name="Title 1">
+            <a:extLst>
+              <a:ext uri="{FF2B5EF4-FFF2-40B4-BE49-F238E27FC236}">
+                <a16:creationId xmlns:a16="http://schemas.microsoft.com/office/drawing/2014/main" id="{F90A0724-B0F6-4615-A9A9-B38E3C20CF20}"/>
+              </a:ext>
+            </a:extLst>
+          </p:cNvPr>
+          <p:cNvSpPr>
+            <a:spLocks noGrp="1"/>
+          </p:cNvSpPr>
+          <p:nvPr>
+            <p:ph type="title"/>
+          </p:nvPr>
+        </p:nvSpPr>
+        <p:spPr>
+          <a:xfrm>
+            <a:off x="175470" y="0"/>
+            <a:ext cx="3507297" cy="977114"/>
+          </a:xfrm>
+        </p:spPr>
+        <p:txBody>
+          <a:bodyPr>
+            <a:normAutofit/>
+          </a:bodyPr>
+          <a:lstStyle/>
+          <a:p>
+            <a:r>
+              <a:rPr lang="en-US" sz="2400" dirty="0"/>
+              <a:t>Individual plots; n=17</a:t>
+            </a:r>
+          </a:p>
+        </p:txBody>
+      </p:sp>
+      <p:pic>
+        <p:nvPicPr>
+          <p:cNvPr id="2" name="Picture 1">
+            <a:extLst>
+              <a:ext uri="{FF2B5EF4-FFF2-40B4-BE49-F238E27FC236}">
+                <a16:creationId xmlns:a16="http://schemas.microsoft.com/office/drawing/2014/main" id="{D046BDDF-22C8-421A-AE96-36B4CFDDD197}"/>
+              </a:ext>
+            </a:extLst>
+          </p:cNvPr>
+          <p:cNvPicPr>
+            <a:picLocks noChangeAspect="1"/>
+          </p:cNvPicPr>
+          <p:nvPr/>
+        </p:nvPicPr>
+        <p:blipFill>
+          <a:blip r:embed="rId2"/>
+          <a:stretch>
+            <a:fillRect/>
+          </a:stretch>
+        </p:blipFill>
+        <p:spPr>
+          <a:xfrm>
+            <a:off x="175470" y="977114"/>
+            <a:ext cx="4703259" cy="2634864"/>
+          </a:xfrm>
+          <a:prstGeom prst="rect">
+            <a:avLst/>
+          </a:prstGeom>
+        </p:spPr>
+      </p:pic>
+      <p:pic>
+        <p:nvPicPr>
+          <p:cNvPr id="3" name="Picture 2">
+            <a:extLst>
+              <a:ext uri="{FF2B5EF4-FFF2-40B4-BE49-F238E27FC236}">
+                <a16:creationId xmlns:a16="http://schemas.microsoft.com/office/drawing/2014/main" id="{1ABF27CC-264F-4203-8289-F88C3E97D192}"/>
+              </a:ext>
+            </a:extLst>
+          </p:cNvPr>
+          <p:cNvPicPr>
+            <a:picLocks noChangeAspect="1"/>
+          </p:cNvPicPr>
+          <p:nvPr/>
+        </p:nvPicPr>
+        <p:blipFill>
+          <a:blip r:embed="rId3"/>
+          <a:stretch>
+            <a:fillRect/>
+          </a:stretch>
+        </p:blipFill>
+        <p:spPr>
+          <a:xfrm>
+            <a:off x="508694" y="4058653"/>
+            <a:ext cx="4388271" cy="2458401"/>
+          </a:xfrm>
+          <a:prstGeom prst="rect">
+            <a:avLst/>
+          </a:prstGeom>
+        </p:spPr>
+      </p:pic>
+      <p:pic>
+        <p:nvPicPr>
+          <p:cNvPr id="5" name="Picture 4">
+            <a:extLst>
+              <a:ext uri="{FF2B5EF4-FFF2-40B4-BE49-F238E27FC236}">
+                <a16:creationId xmlns:a16="http://schemas.microsoft.com/office/drawing/2014/main" id="{E28B33D0-BD3A-4D49-9814-4A4B9D9051E7}"/>
+              </a:ext>
+            </a:extLst>
+          </p:cNvPr>
+          <p:cNvPicPr>
+            <a:picLocks noChangeAspect="1"/>
+          </p:cNvPicPr>
+          <p:nvPr/>
+        </p:nvPicPr>
+        <p:blipFill>
+          <a:blip r:embed="rId4"/>
+          <a:stretch>
+            <a:fillRect/>
+          </a:stretch>
+        </p:blipFill>
+        <p:spPr>
+          <a:xfrm>
+            <a:off x="7032245" y="906869"/>
+            <a:ext cx="4502029" cy="2522131"/>
+          </a:xfrm>
+          <a:prstGeom prst="rect">
+            <a:avLst/>
+          </a:prstGeom>
+        </p:spPr>
+      </p:pic>
+      <p:pic>
+        <p:nvPicPr>
+          <p:cNvPr id="10" name="Picture 9">
+            <a:extLst>
+              <a:ext uri="{FF2B5EF4-FFF2-40B4-BE49-F238E27FC236}">
+                <a16:creationId xmlns:a16="http://schemas.microsoft.com/office/drawing/2014/main" id="{A677465D-A6E9-4AEF-A697-71070116B1E0}"/>
+              </a:ext>
+            </a:extLst>
+          </p:cNvPr>
+          <p:cNvPicPr>
+            <a:picLocks noChangeAspect="1"/>
+          </p:cNvPicPr>
+          <p:nvPr/>
+        </p:nvPicPr>
+        <p:blipFill>
+          <a:blip r:embed="rId5"/>
+          <a:stretch>
+            <a:fillRect/>
+          </a:stretch>
+        </p:blipFill>
+        <p:spPr>
+          <a:xfrm>
+            <a:off x="6695360" y="3754291"/>
+            <a:ext cx="4502029" cy="2522131"/>
+          </a:xfrm>
+          <a:prstGeom prst="rect">
+            <a:avLst/>
+          </a:prstGeom>
+        </p:spPr>
+      </p:pic>
+    </p:spTree>
+    <p:extLst>
+      <p:ext uri="{BB962C8B-B14F-4D97-AF65-F5344CB8AC3E}">
+        <p14:creationId xmlns:p14="http://schemas.microsoft.com/office/powerpoint/2010/main" val="202937246"/>
+      </p:ext>
+    </p:extLst>
+  </p:cSld>
+  <p:clrMapOvr>
+    <a:masterClrMapping/>
+  </p:clrMapOvr>
+</p:sld>
+</file>
+
+<file path=ppt/slides/slide17.xml><?xml version="1.0" encoding="utf-8"?>
+<p:sld xmlns:a="http://schemas.openxmlformats.org/drawingml/2006/main" xmlns:r="http://schemas.openxmlformats.org/officeDocument/2006/relationships" xmlns:p="http://schemas.openxmlformats.org/presentationml/2006/main">
+  <p:cSld>
+    <p:spTree>
+      <p:nvGrpSpPr>
+        <p:cNvPr id="1" name=""/>
+        <p:cNvGrpSpPr/>
+        <p:nvPr/>
+      </p:nvGrpSpPr>
+      <p:grpSpPr>
+        <a:xfrm>
+          <a:off x="0" y="0"/>
+          <a:ext cx="0" cy="0"/>
+          <a:chOff x="0" y="0"/>
+          <a:chExt cx="0" cy="0"/>
+        </a:xfrm>
+      </p:grpSpPr>
+      <p:pic>
+        <p:nvPicPr>
+          <p:cNvPr id="2" name="Picture 1">
+            <a:extLst>
+              <a:ext uri="{FF2B5EF4-FFF2-40B4-BE49-F238E27FC236}">
+                <a16:creationId xmlns:a16="http://schemas.microsoft.com/office/drawing/2014/main" id="{B75D3EAF-D4B0-4372-ACA2-E2CAF99266C4}"/>
+              </a:ext>
+            </a:extLst>
+          </p:cNvPr>
+          <p:cNvPicPr>
+            <a:picLocks noChangeAspect="1"/>
+          </p:cNvPicPr>
+          <p:nvPr/>
+        </p:nvPicPr>
+        <p:blipFill>
+          <a:blip r:embed="rId2"/>
+          <a:stretch>
+            <a:fillRect/>
+          </a:stretch>
+        </p:blipFill>
+        <p:spPr>
+          <a:xfrm>
+            <a:off x="6534939" y="3933271"/>
+            <a:ext cx="4726619" cy="2647951"/>
+          </a:xfrm>
+          <a:prstGeom prst="rect">
+            <a:avLst/>
+          </a:prstGeom>
+        </p:spPr>
+      </p:pic>
+      <p:pic>
+        <p:nvPicPr>
+          <p:cNvPr id="3" name="Picture 2">
+            <a:extLst>
+              <a:ext uri="{FF2B5EF4-FFF2-40B4-BE49-F238E27FC236}">
+                <a16:creationId xmlns:a16="http://schemas.microsoft.com/office/drawing/2014/main" id="{E616AE4A-CFB7-4068-A978-478762229614}"/>
+              </a:ext>
+            </a:extLst>
+          </p:cNvPr>
+          <p:cNvPicPr>
+            <a:picLocks noChangeAspect="1"/>
+          </p:cNvPicPr>
+          <p:nvPr/>
+        </p:nvPicPr>
+        <p:blipFill>
+          <a:blip r:embed="rId3"/>
+          <a:stretch>
+            <a:fillRect/>
+          </a:stretch>
+        </p:blipFill>
+        <p:spPr>
+          <a:xfrm>
+            <a:off x="930442" y="4370709"/>
+            <a:ext cx="3746332" cy="2210513"/>
+          </a:xfrm>
+          <a:prstGeom prst="rect">
+            <a:avLst/>
+          </a:prstGeom>
+        </p:spPr>
+      </p:pic>
+      <p:pic>
+        <p:nvPicPr>
+          <p:cNvPr id="8" name="Picture 7">
+            <a:extLst>
+              <a:ext uri="{FF2B5EF4-FFF2-40B4-BE49-F238E27FC236}">
+                <a16:creationId xmlns:a16="http://schemas.microsoft.com/office/drawing/2014/main" id="{00615357-3CE6-436E-A560-8A0744D2D635}"/>
+              </a:ext>
+            </a:extLst>
+          </p:cNvPr>
+          <p:cNvPicPr>
+            <a:picLocks noChangeAspect="1"/>
+          </p:cNvPicPr>
+          <p:nvPr/>
+        </p:nvPicPr>
+        <p:blipFill>
+          <a:blip r:embed="rId4"/>
+          <a:stretch>
+            <a:fillRect/>
+          </a:stretch>
+        </p:blipFill>
+        <p:spPr>
+          <a:xfrm>
+            <a:off x="488784" y="808016"/>
+            <a:ext cx="5296616" cy="3125255"/>
+          </a:xfrm>
+          <a:prstGeom prst="rect">
+            <a:avLst/>
+          </a:prstGeom>
+        </p:spPr>
+      </p:pic>
+      <p:pic>
+        <p:nvPicPr>
+          <p:cNvPr id="9" name="Picture 8">
+            <a:extLst>
+              <a:ext uri="{FF2B5EF4-FFF2-40B4-BE49-F238E27FC236}">
+                <a16:creationId xmlns:a16="http://schemas.microsoft.com/office/drawing/2014/main" id="{AE953B9C-5340-4208-A4E6-AD9C1840D296}"/>
+              </a:ext>
+            </a:extLst>
+          </p:cNvPr>
+          <p:cNvPicPr>
+            <a:picLocks noChangeAspect="1"/>
+          </p:cNvPicPr>
+          <p:nvPr/>
+        </p:nvPicPr>
+        <p:blipFill>
+          <a:blip r:embed="rId5"/>
+          <a:stretch>
+            <a:fillRect/>
+          </a:stretch>
+        </p:blipFill>
+        <p:spPr>
+          <a:xfrm>
+            <a:off x="6406602" y="874301"/>
+            <a:ext cx="4329650" cy="2554699"/>
+          </a:xfrm>
+          <a:prstGeom prst="rect">
+            <a:avLst/>
+          </a:prstGeom>
+        </p:spPr>
+      </p:pic>
+    </p:spTree>
+    <p:extLst>
+      <p:ext uri="{BB962C8B-B14F-4D97-AF65-F5344CB8AC3E}">
+        <p14:creationId xmlns:p14="http://schemas.microsoft.com/office/powerpoint/2010/main" val="218187623"/>
+      </p:ext>
+    </p:extLst>
+  </p:cSld>
+  <p:clrMapOvr>
+    <a:masterClrMapping/>
+  </p:clrMapOvr>
+</p:sld>
+</file>
+
+<file path=ppt/slides/slide18.xml><?xml version="1.0" encoding="utf-8"?>
+<p:sld xmlns:a="http://schemas.openxmlformats.org/drawingml/2006/main" xmlns:r="http://schemas.openxmlformats.org/officeDocument/2006/relationships" xmlns:p="http://schemas.openxmlformats.org/presentationml/2006/main">
+  <p:cSld>
+    <p:spTree>
+      <p:nvGrpSpPr>
+        <p:cNvPr id="1" name=""/>
+        <p:cNvGrpSpPr/>
+        <p:nvPr/>
+      </p:nvGrpSpPr>
+      <p:grpSpPr>
+        <a:xfrm>
+          <a:off x="0" y="0"/>
+          <a:ext cx="0" cy="0"/>
+          <a:chOff x="0" y="0"/>
+          <a:chExt cx="0" cy="0"/>
+        </a:xfrm>
+      </p:grpSpPr>
+      <p:pic>
+        <p:nvPicPr>
+          <p:cNvPr id="4" name="Picture 3">
+            <a:extLst>
+              <a:ext uri="{FF2B5EF4-FFF2-40B4-BE49-F238E27FC236}">
+                <a16:creationId xmlns:a16="http://schemas.microsoft.com/office/drawing/2014/main" id="{49A2A3FC-9230-4281-A5E6-DD36BC2C4F6D}"/>
+              </a:ext>
+            </a:extLst>
+          </p:cNvPr>
+          <p:cNvPicPr>
+            <a:picLocks noChangeAspect="1"/>
+          </p:cNvPicPr>
+          <p:nvPr/>
+        </p:nvPicPr>
+        <p:blipFill>
+          <a:blip r:embed="rId2"/>
+          <a:stretch>
+            <a:fillRect/>
+          </a:stretch>
+        </p:blipFill>
+        <p:spPr>
+          <a:xfrm>
+            <a:off x="552953" y="573505"/>
+            <a:ext cx="4019048" cy="2371429"/>
+          </a:xfrm>
+          <a:prstGeom prst="rect">
+            <a:avLst/>
+          </a:prstGeom>
+        </p:spPr>
+      </p:pic>
+      <p:pic>
+        <p:nvPicPr>
+          <p:cNvPr id="5" name="Picture 4">
+            <a:extLst>
+              <a:ext uri="{FF2B5EF4-FFF2-40B4-BE49-F238E27FC236}">
+                <a16:creationId xmlns:a16="http://schemas.microsoft.com/office/drawing/2014/main" id="{423ADBDD-0D4D-4A35-8C39-AE7262E6EEC4}"/>
+              </a:ext>
+            </a:extLst>
+          </p:cNvPr>
+          <p:cNvPicPr>
+            <a:picLocks noChangeAspect="1"/>
+          </p:cNvPicPr>
+          <p:nvPr/>
+        </p:nvPicPr>
+        <p:blipFill>
+          <a:blip r:embed="rId3"/>
+          <a:stretch>
+            <a:fillRect/>
+          </a:stretch>
+        </p:blipFill>
+        <p:spPr>
+          <a:xfrm>
+            <a:off x="296279" y="3676426"/>
+            <a:ext cx="4420100" cy="2608069"/>
+          </a:xfrm>
+          <a:prstGeom prst="rect">
+            <a:avLst/>
+          </a:prstGeom>
+        </p:spPr>
+      </p:pic>
+      <p:pic>
+        <p:nvPicPr>
+          <p:cNvPr id="6" name="Picture 5">
+            <a:extLst>
+              <a:ext uri="{FF2B5EF4-FFF2-40B4-BE49-F238E27FC236}">
+                <a16:creationId xmlns:a16="http://schemas.microsoft.com/office/drawing/2014/main" id="{3BA46DBD-8AE4-43C0-8430-ACDEB05B4491}"/>
+              </a:ext>
+            </a:extLst>
+          </p:cNvPr>
+          <p:cNvPicPr>
+            <a:picLocks noChangeAspect="1"/>
+          </p:cNvPicPr>
+          <p:nvPr/>
+        </p:nvPicPr>
+        <p:blipFill>
+          <a:blip r:embed="rId4"/>
+          <a:stretch>
+            <a:fillRect/>
+          </a:stretch>
+        </p:blipFill>
+        <p:spPr>
+          <a:xfrm>
+            <a:off x="7411452" y="573505"/>
+            <a:ext cx="4211553" cy="2485016"/>
+          </a:xfrm>
+          <a:prstGeom prst="rect">
+            <a:avLst/>
+          </a:prstGeom>
+        </p:spPr>
+      </p:pic>
+      <p:pic>
+        <p:nvPicPr>
+          <p:cNvPr id="7" name="Picture 6">
+            <a:extLst>
+              <a:ext uri="{FF2B5EF4-FFF2-40B4-BE49-F238E27FC236}">
+                <a16:creationId xmlns:a16="http://schemas.microsoft.com/office/drawing/2014/main" id="{5F3E9386-531A-408B-B350-6F13CDC5B653}"/>
+              </a:ext>
+            </a:extLst>
+          </p:cNvPr>
+          <p:cNvPicPr>
+            <a:picLocks noChangeAspect="1"/>
+          </p:cNvPicPr>
+          <p:nvPr/>
+        </p:nvPicPr>
+        <p:blipFill>
+          <a:blip r:embed="rId5"/>
+          <a:stretch>
+            <a:fillRect/>
+          </a:stretch>
+        </p:blipFill>
+        <p:spPr>
+          <a:xfrm>
+            <a:off x="7082088" y="4053349"/>
+            <a:ext cx="4211553" cy="2485016"/>
+          </a:xfrm>
+          <a:prstGeom prst="rect">
+            <a:avLst/>
+          </a:prstGeom>
+        </p:spPr>
+      </p:pic>
+    </p:spTree>
+    <p:extLst>
+      <p:ext uri="{BB962C8B-B14F-4D97-AF65-F5344CB8AC3E}">
+        <p14:creationId xmlns:p14="http://schemas.microsoft.com/office/powerpoint/2010/main" val="1037159455"/>
+      </p:ext>
+    </p:extLst>
+  </p:cSld>
+  <p:clrMapOvr>
+    <a:masterClrMapping/>
+  </p:clrMapOvr>
+</p:sld>
+</file>
+
+<file path=ppt/slides/slide19.xml><?xml version="1.0" encoding="utf-8"?>
+<p:sld xmlns:a="http://schemas.openxmlformats.org/drawingml/2006/main" xmlns:r="http://schemas.openxmlformats.org/officeDocument/2006/relationships" xmlns:p="http://schemas.openxmlformats.org/presentationml/2006/main">
+  <p:cSld>
+    <p:spTree>
+      <p:nvGrpSpPr>
+        <p:cNvPr id="1" name=""/>
+        <p:cNvGrpSpPr/>
+        <p:nvPr/>
+      </p:nvGrpSpPr>
+      <p:grpSpPr>
+        <a:xfrm>
+          <a:off x="0" y="0"/>
+          <a:ext cx="0" cy="0"/>
+          <a:chOff x="0" y="0"/>
+          <a:chExt cx="0" cy="0"/>
+        </a:xfrm>
+      </p:grpSpPr>
+      <p:pic>
+        <p:nvPicPr>
+          <p:cNvPr id="2" name="Picture 1">
+            <a:extLst>
+              <a:ext uri="{FF2B5EF4-FFF2-40B4-BE49-F238E27FC236}">
+                <a16:creationId xmlns:a16="http://schemas.microsoft.com/office/drawing/2014/main" id="{31F8CAEC-813A-4331-89E4-A407F4373655}"/>
+              </a:ext>
+            </a:extLst>
+          </p:cNvPr>
+          <p:cNvPicPr>
+            <a:picLocks noChangeAspect="1"/>
+          </p:cNvPicPr>
+          <p:nvPr/>
+        </p:nvPicPr>
+        <p:blipFill>
+          <a:blip r:embed="rId2"/>
+          <a:stretch>
+            <a:fillRect/>
+          </a:stretch>
+        </p:blipFill>
+        <p:spPr>
+          <a:xfrm>
+            <a:off x="7418973" y="3609759"/>
+            <a:ext cx="4773027" cy="2816312"/>
+          </a:xfrm>
+          <a:prstGeom prst="rect">
+            <a:avLst/>
+          </a:prstGeom>
+        </p:spPr>
+      </p:pic>
+      <p:pic>
+        <p:nvPicPr>
+          <p:cNvPr id="3" name="Picture 2">
+            <a:extLst>
+              <a:ext uri="{FF2B5EF4-FFF2-40B4-BE49-F238E27FC236}">
+                <a16:creationId xmlns:a16="http://schemas.microsoft.com/office/drawing/2014/main" id="{A38A4831-35EF-4C67-909D-4A0B456C586F}"/>
+              </a:ext>
+            </a:extLst>
+          </p:cNvPr>
+          <p:cNvPicPr>
+            <a:picLocks noChangeAspect="1"/>
+          </p:cNvPicPr>
+          <p:nvPr/>
+        </p:nvPicPr>
+        <p:blipFill>
+          <a:blip r:embed="rId3"/>
+          <a:stretch>
+            <a:fillRect/>
+          </a:stretch>
+        </p:blipFill>
+        <p:spPr>
+          <a:xfrm>
+            <a:off x="513348" y="3912658"/>
+            <a:ext cx="4259680" cy="2513413"/>
+          </a:xfrm>
+          <a:prstGeom prst="rect">
+            <a:avLst/>
+          </a:prstGeom>
+        </p:spPr>
+      </p:pic>
+      <p:pic>
+        <p:nvPicPr>
+          <p:cNvPr id="8" name="Picture 7">
+            <a:extLst>
+              <a:ext uri="{FF2B5EF4-FFF2-40B4-BE49-F238E27FC236}">
+                <a16:creationId xmlns:a16="http://schemas.microsoft.com/office/drawing/2014/main" id="{4E972C92-C70D-49C4-9443-E7D915D74E60}"/>
+              </a:ext>
+            </a:extLst>
+          </p:cNvPr>
+          <p:cNvPicPr>
+            <a:picLocks noChangeAspect="1"/>
+          </p:cNvPicPr>
+          <p:nvPr/>
+        </p:nvPicPr>
+        <p:blipFill>
+          <a:blip r:embed="rId4"/>
+          <a:stretch>
+            <a:fillRect/>
+          </a:stretch>
+        </p:blipFill>
+        <p:spPr>
+          <a:xfrm>
+            <a:off x="0" y="573913"/>
+            <a:ext cx="4019048" cy="2371429"/>
+          </a:xfrm>
+          <a:prstGeom prst="rect">
+            <a:avLst/>
+          </a:prstGeom>
+        </p:spPr>
+      </p:pic>
+      <p:pic>
+        <p:nvPicPr>
+          <p:cNvPr id="9" name="Picture 8">
+            <a:extLst>
+              <a:ext uri="{FF2B5EF4-FFF2-40B4-BE49-F238E27FC236}">
+                <a16:creationId xmlns:a16="http://schemas.microsoft.com/office/drawing/2014/main" id="{78C72DA9-CA7A-42E9-B412-A3D1F1669B26}"/>
+              </a:ext>
+            </a:extLst>
+          </p:cNvPr>
+          <p:cNvPicPr>
+            <a:picLocks noChangeAspect="1"/>
+          </p:cNvPicPr>
+          <p:nvPr/>
+        </p:nvPicPr>
+        <p:blipFill>
+          <a:blip r:embed="rId5"/>
+          <a:stretch>
+            <a:fillRect/>
+          </a:stretch>
+        </p:blipFill>
+        <p:spPr>
+          <a:xfrm>
+            <a:off x="7063287" y="431929"/>
+            <a:ext cx="4773028" cy="2816313"/>
+          </a:xfrm>
+          <a:prstGeom prst="rect">
+            <a:avLst/>
+          </a:prstGeom>
+        </p:spPr>
+      </p:pic>
+      <p:pic>
+        <p:nvPicPr>
+          <p:cNvPr id="10" name="Picture 9">
+            <a:extLst>
+              <a:ext uri="{FF2B5EF4-FFF2-40B4-BE49-F238E27FC236}">
+                <a16:creationId xmlns:a16="http://schemas.microsoft.com/office/drawing/2014/main" id="{B9392F2C-F374-41A8-94A1-454B425798F4}"/>
+              </a:ext>
+            </a:extLst>
+          </p:cNvPr>
+          <p:cNvPicPr>
+            <a:picLocks noChangeAspect="1"/>
+          </p:cNvPicPr>
+          <p:nvPr/>
+        </p:nvPicPr>
+        <p:blipFill>
+          <a:blip r:embed="rId6"/>
+          <a:stretch>
+            <a:fillRect/>
+          </a:stretch>
+        </p:blipFill>
+        <p:spPr>
+          <a:xfrm>
+            <a:off x="4019048" y="1600223"/>
+            <a:ext cx="3040479" cy="1794027"/>
+          </a:xfrm>
+          <a:prstGeom prst="rect">
+            <a:avLst/>
+          </a:prstGeom>
+        </p:spPr>
+      </p:pic>
+    </p:spTree>
+    <p:extLst>
+      <p:ext uri="{BB962C8B-B14F-4D97-AF65-F5344CB8AC3E}">
+        <p14:creationId xmlns:p14="http://schemas.microsoft.com/office/powerpoint/2010/main" val="3846692326"/>
+      </p:ext>
+    </p:extLst>
+  </p:cSld>
+  <p:clrMapOvr>
+    <a:masterClrMapping/>
+  </p:clrMapOvr>
+</p:sld>
+</file>
+
 <file path=ppt/slides/slide2.xml><?xml version="1.0" encoding="utf-8"?>
 <p:sld xmlns:a="http://schemas.openxmlformats.org/drawingml/2006/main" xmlns:r="http://schemas.openxmlformats.org/officeDocument/2006/relationships" xmlns:p="http://schemas.openxmlformats.org/presentationml/2006/main">
   <p:cSld>
@@ -5137,10 +5811,10 @@
       </p:pic>
       <p:pic>
         <p:nvPicPr>
-          <p:cNvPr id="19" name="Picture 18">
-            <a:extLst>
-              <a:ext uri="{FF2B5EF4-FFF2-40B4-BE49-F238E27FC236}">
-                <a16:creationId xmlns:a16="http://schemas.microsoft.com/office/drawing/2014/main" id="{C6355768-11F8-480F-95CB-95368003F25F}"/>
+          <p:cNvPr id="21" name="Picture 20">
+            <a:extLst>
+              <a:ext uri="{FF2B5EF4-FFF2-40B4-BE49-F238E27FC236}">
+                <a16:creationId xmlns:a16="http://schemas.microsoft.com/office/drawing/2014/main" id="{7E730B91-3472-4032-A6C6-BFB95DA88568}"/>
               </a:ext>
             </a:extLst>
           </p:cNvPr>
@@ -5151,36 +5825,6 @@
         </p:nvPicPr>
         <p:blipFill>
           <a:blip r:embed="rId7"/>
-          <a:stretch>
-            <a:fillRect/>
-          </a:stretch>
-        </p:blipFill>
-        <p:spPr>
-          <a:xfrm>
-            <a:off x="5842601" y="3689655"/>
-            <a:ext cx="2476007" cy="1544078"/>
-          </a:xfrm>
-          <a:prstGeom prst="rect">
-            <a:avLst/>
-          </a:prstGeom>
-        </p:spPr>
-      </p:pic>
-      <p:pic>
-        <p:nvPicPr>
-          <p:cNvPr id="21" name="Picture 20">
-            <a:extLst>
-              <a:ext uri="{FF2B5EF4-FFF2-40B4-BE49-F238E27FC236}">
-                <a16:creationId xmlns:a16="http://schemas.microsoft.com/office/drawing/2014/main" id="{7E730B91-3472-4032-A6C6-BFB95DA88568}"/>
-              </a:ext>
-            </a:extLst>
-          </p:cNvPr>
-          <p:cNvPicPr>
-            <a:picLocks noChangeAspect="1"/>
-          </p:cNvPicPr>
-          <p:nvPr/>
-        </p:nvPicPr>
-        <p:blipFill>
-          <a:blip r:embed="rId8"/>
           <a:stretch>
             <a:fillRect/>
           </a:stretch>
@@ -5189,6 +5833,66 @@
           <a:xfrm>
             <a:off x="0" y="5587846"/>
             <a:ext cx="9039225" cy="1200150"/>
+          </a:xfrm>
+          <a:prstGeom prst="rect">
+            <a:avLst/>
+          </a:prstGeom>
+        </p:spPr>
+      </p:pic>
+      <p:pic>
+        <p:nvPicPr>
+          <p:cNvPr id="2" name="Picture 1">
+            <a:extLst>
+              <a:ext uri="{FF2B5EF4-FFF2-40B4-BE49-F238E27FC236}">
+                <a16:creationId xmlns:a16="http://schemas.microsoft.com/office/drawing/2014/main" id="{F3A3E0C5-9EAE-4DCA-AE3E-7C90D8175685}"/>
+              </a:ext>
+            </a:extLst>
+          </p:cNvPr>
+          <p:cNvPicPr>
+            <a:picLocks noChangeAspect="1"/>
+          </p:cNvPicPr>
+          <p:nvPr/>
+        </p:nvPicPr>
+        <p:blipFill>
+          <a:blip r:embed="rId8"/>
+          <a:stretch>
+            <a:fillRect/>
+          </a:stretch>
+        </p:blipFill>
+        <p:spPr>
+          <a:xfrm>
+            <a:off x="5771216" y="3636782"/>
+            <a:ext cx="2671685" cy="1847946"/>
+          </a:xfrm>
+          <a:prstGeom prst="rect">
+            <a:avLst/>
+          </a:prstGeom>
+        </p:spPr>
+      </p:pic>
+      <p:pic>
+        <p:nvPicPr>
+          <p:cNvPr id="3" name="Picture 2">
+            <a:extLst>
+              <a:ext uri="{FF2B5EF4-FFF2-40B4-BE49-F238E27FC236}">
+                <a16:creationId xmlns:a16="http://schemas.microsoft.com/office/drawing/2014/main" id="{203E76C6-CE0C-4A5D-9298-8FB8A9281376}"/>
+              </a:ext>
+            </a:extLst>
+          </p:cNvPr>
+          <p:cNvPicPr>
+            <a:picLocks noChangeAspect="1"/>
+          </p:cNvPicPr>
+          <p:nvPr/>
+        </p:nvPicPr>
+        <p:blipFill>
+          <a:blip r:embed="rId9"/>
+          <a:stretch>
+            <a:fillRect/>
+          </a:stretch>
+        </p:blipFill>
+        <p:spPr>
+          <a:xfrm>
+            <a:off x="8962179" y="292369"/>
+            <a:ext cx="2830542" cy="1957824"/>
           </a:xfrm>
           <a:prstGeom prst="rect">
             <a:avLst/>
@@ -5472,10 +6176,10 @@
       </p:pic>
       <p:pic>
         <p:nvPicPr>
-          <p:cNvPr id="5" name="Picture 4">
-            <a:extLst>
-              <a:ext uri="{FF2B5EF4-FFF2-40B4-BE49-F238E27FC236}">
-                <a16:creationId xmlns:a16="http://schemas.microsoft.com/office/drawing/2014/main" id="{1FFBCA3B-9FB3-4BB8-A1C0-016842CCEBE6}"/>
+          <p:cNvPr id="6" name="Picture 5">
+            <a:extLst>
+              <a:ext uri="{FF2B5EF4-FFF2-40B4-BE49-F238E27FC236}">
+                <a16:creationId xmlns:a16="http://schemas.microsoft.com/office/drawing/2014/main" id="{34E4DD3E-2AF0-4AC5-B12B-246714DDDB6C}"/>
               </a:ext>
             </a:extLst>
           </p:cNvPr>
@@ -5486,36 +6190,6 @@
         </p:nvPicPr>
         <p:blipFill>
           <a:blip r:embed="rId4"/>
-          <a:stretch>
-            <a:fillRect/>
-          </a:stretch>
-        </p:blipFill>
-        <p:spPr>
-          <a:xfrm>
-            <a:off x="996706" y="4471332"/>
-            <a:ext cx="3491404" cy="2177296"/>
-          </a:xfrm>
-          <a:prstGeom prst="rect">
-            <a:avLst/>
-          </a:prstGeom>
-        </p:spPr>
-      </p:pic>
-      <p:pic>
-        <p:nvPicPr>
-          <p:cNvPr id="6" name="Picture 5">
-            <a:extLst>
-              <a:ext uri="{FF2B5EF4-FFF2-40B4-BE49-F238E27FC236}">
-                <a16:creationId xmlns:a16="http://schemas.microsoft.com/office/drawing/2014/main" id="{34E4DD3E-2AF0-4AC5-B12B-246714DDDB6C}"/>
-              </a:ext>
-            </a:extLst>
-          </p:cNvPr>
-          <p:cNvPicPr>
-            <a:picLocks noChangeAspect="1"/>
-          </p:cNvPicPr>
-          <p:nvPr/>
-        </p:nvPicPr>
-        <p:blipFill>
-          <a:blip r:embed="rId5"/>
           <a:stretch>
             <a:fillRect/>
           </a:stretch>
@@ -5524,6 +6198,36 @@
           <a:xfrm>
             <a:off x="7037708" y="4288597"/>
             <a:ext cx="3421220" cy="2133528"/>
+          </a:xfrm>
+          <a:prstGeom prst="rect">
+            <a:avLst/>
+          </a:prstGeom>
+        </p:spPr>
+      </p:pic>
+      <p:pic>
+        <p:nvPicPr>
+          <p:cNvPr id="7" name="Picture 6">
+            <a:extLst>
+              <a:ext uri="{FF2B5EF4-FFF2-40B4-BE49-F238E27FC236}">
+                <a16:creationId xmlns:a16="http://schemas.microsoft.com/office/drawing/2014/main" id="{C3741454-BB50-4E9D-8236-7CB43ACFA258}"/>
+              </a:ext>
+            </a:extLst>
+          </p:cNvPr>
+          <p:cNvPicPr>
+            <a:picLocks noChangeAspect="1"/>
+          </p:cNvPicPr>
+          <p:nvPr/>
+        </p:nvPicPr>
+        <p:blipFill>
+          <a:blip r:embed="rId5"/>
+          <a:stretch>
+            <a:fillRect/>
+          </a:stretch>
+        </p:blipFill>
+        <p:spPr>
+          <a:xfrm>
+            <a:off x="640180" y="3711702"/>
+            <a:ext cx="3847930" cy="2710423"/>
           </a:xfrm>
           <a:prstGeom prst="rect">
             <a:avLst/>
@@ -5657,10 +6361,10 @@
       </p:pic>
       <p:pic>
         <p:nvPicPr>
-          <p:cNvPr id="5" name="Picture 4">
-            <a:extLst>
-              <a:ext uri="{FF2B5EF4-FFF2-40B4-BE49-F238E27FC236}">
-                <a16:creationId xmlns:a16="http://schemas.microsoft.com/office/drawing/2014/main" id="{EC7CDC50-3745-4CE6-A32A-B27A7B10B2CD}"/>
+          <p:cNvPr id="6" name="Picture 5">
+            <a:extLst>
+              <a:ext uri="{FF2B5EF4-FFF2-40B4-BE49-F238E27FC236}">
+                <a16:creationId xmlns:a16="http://schemas.microsoft.com/office/drawing/2014/main" id="{79463744-A494-4FD8-83DB-BC2C1F2B5FBD}"/>
               </a:ext>
             </a:extLst>
           </p:cNvPr>
@@ -5671,36 +6375,6 @@
         </p:nvPicPr>
         <p:blipFill>
           <a:blip r:embed="rId4"/>
-          <a:stretch>
-            <a:fillRect/>
-          </a:stretch>
-        </p:blipFill>
-        <p:spPr>
-          <a:xfrm>
-            <a:off x="983001" y="3947992"/>
-            <a:ext cx="3563833" cy="2222464"/>
-          </a:xfrm>
-          <a:prstGeom prst="rect">
-            <a:avLst/>
-          </a:prstGeom>
-        </p:spPr>
-      </p:pic>
-      <p:pic>
-        <p:nvPicPr>
-          <p:cNvPr id="6" name="Picture 5">
-            <a:extLst>
-              <a:ext uri="{FF2B5EF4-FFF2-40B4-BE49-F238E27FC236}">
-                <a16:creationId xmlns:a16="http://schemas.microsoft.com/office/drawing/2014/main" id="{79463744-A494-4FD8-83DB-BC2C1F2B5FBD}"/>
-              </a:ext>
-            </a:extLst>
-          </p:cNvPr>
-          <p:cNvPicPr>
-            <a:picLocks noChangeAspect="1"/>
-          </p:cNvPicPr>
-          <p:nvPr/>
-        </p:nvPicPr>
-        <p:blipFill>
-          <a:blip r:embed="rId5"/>
           <a:stretch>
             <a:fillRect/>
           </a:stretch>
@@ -5709,6 +6383,36 @@
           <a:xfrm>
             <a:off x="6469402" y="3947992"/>
             <a:ext cx="3563834" cy="2222465"/>
+          </a:xfrm>
+          <a:prstGeom prst="rect">
+            <a:avLst/>
+          </a:prstGeom>
+        </p:spPr>
+      </p:pic>
+      <p:pic>
+        <p:nvPicPr>
+          <p:cNvPr id="7" name="Picture 6">
+            <a:extLst>
+              <a:ext uri="{FF2B5EF4-FFF2-40B4-BE49-F238E27FC236}">
+                <a16:creationId xmlns:a16="http://schemas.microsoft.com/office/drawing/2014/main" id="{65A65911-9312-4910-8B6F-12041A92CBFD}"/>
+              </a:ext>
+            </a:extLst>
+          </p:cNvPr>
+          <p:cNvPicPr>
+            <a:picLocks noChangeAspect="1"/>
+          </p:cNvPicPr>
+          <p:nvPr/>
+        </p:nvPicPr>
+        <p:blipFill>
+          <a:blip r:embed="rId5"/>
+          <a:stretch>
+            <a:fillRect/>
+          </a:stretch>
+        </p:blipFill>
+        <p:spPr>
+          <a:xfrm>
+            <a:off x="286831" y="3483666"/>
+            <a:ext cx="4473572" cy="3151116"/>
           </a:xfrm>
           <a:prstGeom prst="rect">
             <a:avLst/>
@@ -5842,10 +6546,10 @@
       </p:pic>
       <p:pic>
         <p:nvPicPr>
-          <p:cNvPr id="5" name="Picture 4">
-            <a:extLst>
-              <a:ext uri="{FF2B5EF4-FFF2-40B4-BE49-F238E27FC236}">
-                <a16:creationId xmlns:a16="http://schemas.microsoft.com/office/drawing/2014/main" id="{970A3A5C-271B-448E-A59C-EBC6B6F0F7DF}"/>
+          <p:cNvPr id="6" name="Picture 5">
+            <a:extLst>
+              <a:ext uri="{FF2B5EF4-FFF2-40B4-BE49-F238E27FC236}">
+                <a16:creationId xmlns:a16="http://schemas.microsoft.com/office/drawing/2014/main" id="{9C3B090D-01D4-4DBE-86FA-A44A05A1972E}"/>
               </a:ext>
             </a:extLst>
           </p:cNvPr>
@@ -5862,20 +6566,20 @@
         </p:blipFill>
         <p:spPr>
           <a:xfrm>
-            <a:off x="725084" y="4134809"/>
-            <a:ext cx="3580611" cy="2232927"/>
-          </a:xfrm>
-          <a:prstGeom prst="rect">
-            <a:avLst/>
-          </a:prstGeom>
-        </p:spPr>
-      </p:pic>
-      <p:pic>
-        <p:nvPicPr>
-          <p:cNvPr id="6" name="Picture 5">
-            <a:extLst>
-              <a:ext uri="{FF2B5EF4-FFF2-40B4-BE49-F238E27FC236}">
-                <a16:creationId xmlns:a16="http://schemas.microsoft.com/office/drawing/2014/main" id="{9C3B090D-01D4-4DBE-86FA-A44A05A1972E}"/>
+            <a:off x="7387772" y="4004052"/>
+            <a:ext cx="3479943" cy="2170149"/>
+          </a:xfrm>
+          <a:prstGeom prst="rect">
+            <a:avLst/>
+          </a:prstGeom>
+        </p:spPr>
+      </p:pic>
+      <p:pic>
+        <p:nvPicPr>
+          <p:cNvPr id="8" name="Picture 7">
+            <a:extLst>
+              <a:ext uri="{FF2B5EF4-FFF2-40B4-BE49-F238E27FC236}">
+                <a16:creationId xmlns:a16="http://schemas.microsoft.com/office/drawing/2014/main" id="{4DBB7237-D9D7-42E6-85E7-E817F0E6D232}"/>
               </a:ext>
             </a:extLst>
           </p:cNvPr>
@@ -5892,8 +6596,8 @@
         </p:blipFill>
         <p:spPr>
           <a:xfrm>
-            <a:off x="7291520" y="4042252"/>
-            <a:ext cx="3479943" cy="2170149"/>
+            <a:off x="1324285" y="3750864"/>
+            <a:ext cx="3799804" cy="2676524"/>
           </a:xfrm>
           <a:prstGeom prst="rect">
             <a:avLst/>
@@ -6027,10 +6731,10 @@
       </p:pic>
       <p:pic>
         <p:nvPicPr>
-          <p:cNvPr id="5" name="Picture 4">
-            <a:extLst>
-              <a:ext uri="{FF2B5EF4-FFF2-40B4-BE49-F238E27FC236}">
-                <a16:creationId xmlns:a16="http://schemas.microsoft.com/office/drawing/2014/main" id="{A5B4F6FA-937A-4AA1-9822-725967DC1E54}"/>
+          <p:cNvPr id="7" name="Picture 6">
+            <a:extLst>
+              <a:ext uri="{FF2B5EF4-FFF2-40B4-BE49-F238E27FC236}">
+                <a16:creationId xmlns:a16="http://schemas.microsoft.com/office/drawing/2014/main" id="{C6C2D8DA-0051-443A-880F-5DC9BE14C577}"/>
               </a:ext>
             </a:extLst>
           </p:cNvPr>
@@ -6041,36 +6745,6 @@
         </p:nvPicPr>
         <p:blipFill>
           <a:blip r:embed="rId4"/>
-          <a:stretch>
-            <a:fillRect/>
-          </a:stretch>
-        </p:blipFill>
-        <p:spPr>
-          <a:xfrm>
-            <a:off x="412549" y="4052865"/>
-            <a:ext cx="3773557" cy="2353251"/>
-          </a:xfrm>
-          <a:prstGeom prst="rect">
-            <a:avLst/>
-          </a:prstGeom>
-        </p:spPr>
-      </p:pic>
-      <p:pic>
-        <p:nvPicPr>
-          <p:cNvPr id="7" name="Picture 6">
-            <a:extLst>
-              <a:ext uri="{FF2B5EF4-FFF2-40B4-BE49-F238E27FC236}">
-                <a16:creationId xmlns:a16="http://schemas.microsoft.com/office/drawing/2014/main" id="{C6C2D8DA-0051-443A-880F-5DC9BE14C577}"/>
-              </a:ext>
-            </a:extLst>
-          </p:cNvPr>
-          <p:cNvPicPr>
-            <a:picLocks noChangeAspect="1"/>
-          </p:cNvPicPr>
-          <p:nvPr/>
-        </p:nvPicPr>
-        <p:blipFill>
-          <a:blip r:embed="rId5"/>
           <a:stretch>
             <a:fillRect/>
           </a:stretch>
@@ -6079,6 +6753,36 @@
           <a:xfrm>
             <a:off x="6752485" y="4052865"/>
             <a:ext cx="3773557" cy="2353251"/>
+          </a:xfrm>
+          <a:prstGeom prst="rect">
+            <a:avLst/>
+          </a:prstGeom>
+        </p:spPr>
+      </p:pic>
+      <p:pic>
+        <p:nvPicPr>
+          <p:cNvPr id="6" name="Picture 5">
+            <a:extLst>
+              <a:ext uri="{FF2B5EF4-FFF2-40B4-BE49-F238E27FC236}">
+                <a16:creationId xmlns:a16="http://schemas.microsoft.com/office/drawing/2014/main" id="{E98E71C3-34C4-43D6-804A-BC4B072A6E99}"/>
+              </a:ext>
+            </a:extLst>
+          </p:cNvPr>
+          <p:cNvPicPr>
+            <a:picLocks noChangeAspect="1"/>
+          </p:cNvPicPr>
+          <p:nvPr/>
+        </p:nvPicPr>
+        <p:blipFill>
+          <a:blip r:embed="rId5"/>
+          <a:stretch>
+            <a:fillRect/>
+          </a:stretch>
+        </p:blipFill>
+        <p:spPr>
+          <a:xfrm>
+            <a:off x="483440" y="4052865"/>
+            <a:ext cx="3773558" cy="2658037"/>
           </a:xfrm>
           <a:prstGeom prst="rect">
             <a:avLst/>

--- a/RampResponseMapping.pptx
+++ b/RampResponseMapping.pptx
@@ -277,7 +277,7 @@
           <a:p>
             <a:fld id="{17E7120B-237D-4C94-8425-72B9661CF6D1}" type="datetimeFigureOut">
               <a:rPr lang="en-US" smtClean="0"/>
-              <a:t>1/16/2019</a:t>
+              <a:t>2/4/2019</a:t>
             </a:fld>
             <a:endParaRPr lang="en-US"/>
           </a:p>
@@ -475,7 +475,7 @@
           <a:p>
             <a:fld id="{17E7120B-237D-4C94-8425-72B9661CF6D1}" type="datetimeFigureOut">
               <a:rPr lang="en-US" smtClean="0"/>
-              <a:t>1/16/2019</a:t>
+              <a:t>2/4/2019</a:t>
             </a:fld>
             <a:endParaRPr lang="en-US"/>
           </a:p>
@@ -683,7 +683,7 @@
           <a:p>
             <a:fld id="{17E7120B-237D-4C94-8425-72B9661CF6D1}" type="datetimeFigureOut">
               <a:rPr lang="en-US" smtClean="0"/>
-              <a:t>1/16/2019</a:t>
+              <a:t>2/4/2019</a:t>
             </a:fld>
             <a:endParaRPr lang="en-US"/>
           </a:p>
@@ -881,7 +881,7 @@
           <a:p>
             <a:fld id="{17E7120B-237D-4C94-8425-72B9661CF6D1}" type="datetimeFigureOut">
               <a:rPr lang="en-US" smtClean="0"/>
-              <a:t>1/16/2019</a:t>
+              <a:t>2/4/2019</a:t>
             </a:fld>
             <a:endParaRPr lang="en-US"/>
           </a:p>
@@ -1156,7 +1156,7 @@
           <a:p>
             <a:fld id="{17E7120B-237D-4C94-8425-72B9661CF6D1}" type="datetimeFigureOut">
               <a:rPr lang="en-US" smtClean="0"/>
-              <a:t>1/16/2019</a:t>
+              <a:t>2/4/2019</a:t>
             </a:fld>
             <a:endParaRPr lang="en-US"/>
           </a:p>
@@ -1421,7 +1421,7 @@
           <a:p>
             <a:fld id="{17E7120B-237D-4C94-8425-72B9661CF6D1}" type="datetimeFigureOut">
               <a:rPr lang="en-US" smtClean="0"/>
-              <a:t>1/16/2019</a:t>
+              <a:t>2/4/2019</a:t>
             </a:fld>
             <a:endParaRPr lang="en-US"/>
           </a:p>
@@ -1833,7 +1833,7 @@
           <a:p>
             <a:fld id="{17E7120B-237D-4C94-8425-72B9661CF6D1}" type="datetimeFigureOut">
               <a:rPr lang="en-US" smtClean="0"/>
-              <a:t>1/16/2019</a:t>
+              <a:t>2/4/2019</a:t>
             </a:fld>
             <a:endParaRPr lang="en-US"/>
           </a:p>
@@ -1974,7 +1974,7 @@
           <a:p>
             <a:fld id="{17E7120B-237D-4C94-8425-72B9661CF6D1}" type="datetimeFigureOut">
               <a:rPr lang="en-US" smtClean="0"/>
-              <a:t>1/16/2019</a:t>
+              <a:t>2/4/2019</a:t>
             </a:fld>
             <a:endParaRPr lang="en-US"/>
           </a:p>
@@ -2087,7 +2087,7 @@
           <a:p>
             <a:fld id="{17E7120B-237D-4C94-8425-72B9661CF6D1}" type="datetimeFigureOut">
               <a:rPr lang="en-US" smtClean="0"/>
-              <a:t>1/16/2019</a:t>
+              <a:t>2/4/2019</a:t>
             </a:fld>
             <a:endParaRPr lang="en-US"/>
           </a:p>
@@ -2398,7 +2398,7 @@
           <a:p>
             <a:fld id="{17E7120B-237D-4C94-8425-72B9661CF6D1}" type="datetimeFigureOut">
               <a:rPr lang="en-US" smtClean="0"/>
-              <a:t>1/16/2019</a:t>
+              <a:t>2/4/2019</a:t>
             </a:fld>
             <a:endParaRPr lang="en-US"/>
           </a:p>
@@ -2686,7 +2686,7 @@
           <a:p>
             <a:fld id="{17E7120B-237D-4C94-8425-72B9661CF6D1}" type="datetimeFigureOut">
               <a:rPr lang="en-US" smtClean="0"/>
-              <a:t>1/16/2019</a:t>
+              <a:t>2/4/2019</a:t>
             </a:fld>
             <a:endParaRPr lang="en-US"/>
           </a:p>
@@ -2927,7 +2927,7 @@
           <a:p>
             <a:fld id="{17E7120B-237D-4C94-8425-72B9661CF6D1}" type="datetimeFigureOut">
               <a:rPr lang="en-US" smtClean="0"/>
-              <a:t>1/16/2019</a:t>
+              <a:t>2/4/2019</a:t>
             </a:fld>
             <a:endParaRPr lang="en-US"/>
           </a:p>
